--- a/training/OverviewOfEAArtifacts.pptx
+++ b/training/OverviewOfEAArtifacts.pptx
@@ -156,6 +156,46 @@
       </a:defRPr>
     </a:lvl9pPr>
   </p:defaultTextStyle>
+  <p:extLst>
+    <p:ext uri="{EFAFB233-063F-42B5-8137-9DF3F51BA10A}">
+      <p15:sldGuideLst xmlns:p15="http://schemas.microsoft.com/office/powerpoint/2012/main">
+        <p15:guide id="1" orient="horz" pos="1207">
+          <p15:clr>
+            <a:srgbClr val="A4A3A4"/>
+          </p15:clr>
+        </p15:guide>
+        <p15:guide id="2" orient="horz" pos="3007">
+          <p15:clr>
+            <a:srgbClr val="A4A3A4"/>
+          </p15:clr>
+        </p15:guide>
+        <p15:guide id="3" orient="horz" pos="437">
+          <p15:clr>
+            <a:srgbClr val="A4A3A4"/>
+          </p15:clr>
+        </p15:guide>
+        <p15:guide id="4" pos="369">
+          <p15:clr>
+            <a:srgbClr val="A4A3A4"/>
+          </p15:clr>
+        </p15:guide>
+      </p15:sldGuideLst>
+    </p:ext>
+    <p:ext uri="{2D200454-40CA-4A62-9FC3-DE9A4176ACB9}">
+      <p15:notesGuideLst xmlns:p15="http://schemas.microsoft.com/office/powerpoint/2012/main">
+        <p15:guide id="1" orient="horz" pos="2932">
+          <p15:clr>
+            <a:srgbClr val="A4A3A4"/>
+          </p15:clr>
+        </p15:guide>
+        <p15:guide id="2" pos="2212">
+          <p15:clr>
+            <a:srgbClr val="A4A3A4"/>
+          </p15:clr>
+        </p15:guide>
+      </p15:notesGuideLst>
+    </p:ext>
+  </p:extLst>
 </p:presentation>
 </file>
 
@@ -1281,6 +1321,11 @@
         </p:txBody>
       </p:sp>
     </p:spTree>
+    <p:extLst>
+      <p:ext uri="{BB962C8B-B14F-4D97-AF65-F5344CB8AC3E}">
+        <p14:creationId xmlns:p14="http://schemas.microsoft.com/office/powerpoint/2010/main" val="599759944"/>
+      </p:ext>
+    </p:extLst>
   </p:cSld>
   <p:clrMapOvr>
     <a:masterClrMapping/>
@@ -3834,7 +3879,7 @@
         <p:spPr>
           <a:xfrm>
             <a:off x="425450" y="4240213"/>
-            <a:ext cx="8293100" cy="609600"/>
+            <a:ext cx="8293100" cy="353943"/>
           </a:xfrm>
         </p:spPr>
         <p:txBody>
@@ -3842,17 +3887,7 @@
           <a:lstStyle/>
           <a:p>
             <a:pPr eaLnBrk="1" hangingPunct="1"/>
-            <a:r>
-              <a:rPr lang="en-US" smtClean="0"/>
-              <a:t>Rob Byrd</a:t>
-            </a:r>
-          </a:p>
-          <a:p>
-            <a:pPr eaLnBrk="1" hangingPunct="1"/>
-            <a:r>
-              <a:rPr lang="en-US" smtClean="0"/>
-              <a:t>rob.byrd@austintexas.gov</a:t>
-            </a:r>
+            <a:endParaRPr lang="en-US" dirty="0" smtClean="0"/>
           </a:p>
         </p:txBody>
       </p:sp>
@@ -16520,15 +16555,6 @@
 </file>
 
 <file path=customXml/item2.xml><?xml version="1.0" encoding="utf-8"?>
-<?mso-contentType ?>
-<FormTemplates xmlns="http://schemas.microsoft.com/sharepoint/v3/contenttype/forms">
-  <Display>DocumentLibraryForm</Display>
-  <Edit>DocumentLibraryForm</Edit>
-  <New>DocumentLibraryForm</New>
-</FormTemplates>
-</file>
-
-<file path=customXml/item3.xml><?xml version="1.0" encoding="utf-8"?>
 <ct:contentTypeSchema xmlns:ct="http://schemas.microsoft.com/office/2006/metadata/contentType" xmlns:ma="http://schemas.microsoft.com/office/2006/metadata/properties/metaAttributes" ct:_="" ma:_="" ma:contentTypeName="Document" ma:contentTypeID="0x010100C86F1CD43F91FA4BBE98F3F5EC3F8025" ma:contentTypeVersion="29" ma:contentTypeDescription="Create a new document." ma:contentTypeScope="" ma:versionID="a55a5586cdd5f42a019eed7c80566473">
   <xsd:schema xmlns:xsd="http://www.w3.org/2001/XMLSchema" xmlns:p="http://schemas.microsoft.com/office/2006/metadata/properties" targetNamespace="http://schemas.microsoft.com/office/2006/metadata/properties" ma:root="true" ma:fieldsID="bfb85531492299a443187b2d09fe2a1b">
     <xsd:element name="properties">
@@ -16577,6 +16603,15 @@
 </ct:contentTypeSchema>
 </file>
 
+<file path=customXml/item3.xml><?xml version="1.0" encoding="utf-8"?>
+<?mso-contentType ?>
+<FormTemplates xmlns="http://schemas.microsoft.com/sharepoint/v3/contenttype/forms">
+  <Display>DocumentLibraryForm</Display>
+  <Edit>DocumentLibraryForm</Edit>
+  <New>DocumentLibraryForm</New>
+</FormTemplates>
+</file>
+
 <file path=customXml/itemProps1.xml><?xml version="1.0" encoding="utf-8"?>
 <ds:datastoreItem xmlns:ds="http://schemas.openxmlformats.org/officeDocument/2006/customXml" ds:itemID="{CA8B7F1B-FAFD-4C7F-A645-B4AC10D6302B}">
   <ds:schemaRefs>
@@ -16592,14 +16627,6 @@
 </file>
 
 <file path=customXml/itemProps2.xml><?xml version="1.0" encoding="utf-8"?>
-<ds:datastoreItem xmlns:ds="http://schemas.openxmlformats.org/officeDocument/2006/customXml" ds:itemID="{4307F8BB-3F6D-4111-959D-C299269564AB}">
-  <ds:schemaRefs>
-    <ds:schemaRef ds:uri="http://schemas.microsoft.com/sharepoint/v3/contenttype/forms"/>
-  </ds:schemaRefs>
-</ds:datastoreItem>
-</file>
-
-<file path=customXml/itemProps3.xml><?xml version="1.0" encoding="utf-8"?>
 <ds:datastoreItem xmlns:ds="http://schemas.openxmlformats.org/officeDocument/2006/customXml" ds:itemID="{5E723347-583E-461B-9AD5-23CAD6D8E002}">
   <ds:schemaRefs>
     <ds:schemaRef ds:uri="http://schemas.microsoft.com/office/2006/metadata/contentType"/>
@@ -16612,4 +16639,12 @@
     <ds:schemaRef ds:uri="http://schemas.microsoft.com/office/internal/2005/internalDocumentation"/>
   </ds:schemaRefs>
 </ds:datastoreItem>
+</file>
+
+<file path=customXml/itemProps3.xml><?xml version="1.0" encoding="utf-8"?>
+<ds:datastoreItem xmlns:ds="http://schemas.openxmlformats.org/officeDocument/2006/customXml" ds:itemID="{4307F8BB-3F6D-4111-959D-C299269564AB}">
+  <ds:schemaRefs>
+    <ds:schemaRef ds:uri="http://schemas.microsoft.com/sharepoint/v3/contenttype/forms"/>
+  </ds:schemaRefs>
+</ds:datastoreItem>
 </file>